--- a/doc/게시판 프로젝트 1차 - 김명준.pptx
+++ b/doc/게시판 프로젝트 1차 - 김명준.pptx
@@ -5,10 +5,10 @@
     <p:sldMasterId id="2147483648" r:id="rId1"/>
   </p:sldMasterIdLst>
   <p:notesMasterIdLst>
-    <p:notesMasterId r:id="rId18"/>
+    <p:notesMasterId r:id="rId17"/>
   </p:notesMasterIdLst>
   <p:handoutMasterIdLst>
-    <p:handoutMasterId r:id="rId19"/>
+    <p:handoutMasterId r:id="rId18"/>
   </p:handoutMasterIdLst>
   <p:sldIdLst>
     <p:sldId id="262" r:id="rId2"/>
@@ -25,8 +25,7 @@
     <p:sldId id="323" r:id="rId13"/>
     <p:sldId id="326" r:id="rId14"/>
     <p:sldId id="318" r:id="rId15"/>
-    <p:sldId id="324" r:id="rId16"/>
-    <p:sldId id="260" r:id="rId17"/>
+    <p:sldId id="260" r:id="rId16"/>
   </p:sldIdLst>
   <p:sldSz cx="9144000" cy="6858000" type="screen4x3"/>
   <p:notesSz cx="6797675" cy="9926638"/>
@@ -4869,142 +4868,6 @@
 </file>
 
 <file path=ppt/slides/slide15.xml><?xml version="1.0" encoding="utf-8"?>
-<p:sld xmlns:a="http://schemas.openxmlformats.org/drawingml/2006/main" xmlns:r="http://schemas.openxmlformats.org/officeDocument/2006/relationships" xmlns:p="http://schemas.openxmlformats.org/presentationml/2006/main">
-  <p:cSld>
-    <p:spTree>
-      <p:nvGrpSpPr>
-        <p:cNvPr id="1" name=""/>
-        <p:cNvGrpSpPr/>
-        <p:nvPr/>
-      </p:nvGrpSpPr>
-      <p:grpSpPr>
-        <a:xfrm>
-          <a:off x="0" y="0"/>
-          <a:ext cx="0" cy="0"/>
-          <a:chOff x="0" y="0"/>
-          <a:chExt cx="0" cy="0"/>
-        </a:xfrm>
-      </p:grpSpPr>
-      <p:sp>
-        <p:nvSpPr>
-          <p:cNvPr id="2" name="제목 1"/>
-          <p:cNvSpPr>
-            <a:spLocks noGrp="1"/>
-          </p:cNvSpPr>
-          <p:nvPr>
-            <p:ph type="title"/>
-          </p:nvPr>
-        </p:nvSpPr>
-        <p:spPr>
-          <a:xfrm>
-            <a:off x="252000" y="298748"/>
-            <a:ext cx="8640000" cy="338554"/>
-          </a:xfrm>
-        </p:spPr>
-        <p:txBody>
-          <a:bodyPr/>
-          <a:lstStyle/>
-          <a:p>
-            <a:pPr>
-              <a:defRPr/>
-            </a:pPr>
-            <a:r>
-              <a:rPr lang="en-US" altLang="ko-KR" dirty="0" smtClean="0"/>
-              <a:t>2.4.1 </a:t>
-            </a:r>
-            <a:r>
-              <a:rPr lang="ko-KR" altLang="en-US" dirty="0" smtClean="0"/>
-              <a:t>에디터</a:t>
-            </a:r>
-            <a:endParaRPr lang="ko-KR" altLang="en-US" dirty="0"/>
-          </a:p>
-        </p:txBody>
-      </p:sp>
-      <p:sp>
-        <p:nvSpPr>
-          <p:cNvPr id="3" name="TextBox 2"/>
-          <p:cNvSpPr txBox="1"/>
-          <p:nvPr/>
-        </p:nvSpPr>
-        <p:spPr>
-          <a:xfrm>
-            <a:off x="683568" y="1340768"/>
-            <a:ext cx="7992888" cy="646331"/>
-          </a:xfrm>
-          <a:prstGeom prst="rect">
-            <a:avLst/>
-          </a:prstGeom>
-          <a:noFill/>
-        </p:spPr>
-        <p:txBody>
-          <a:bodyPr wrap="square" rtlCol="0">
-            <a:spAutoFit/>
-          </a:bodyPr>
-          <a:lstStyle/>
-          <a:p>
-            <a:pPr marL="285750" indent="-285750">
-              <a:buFont typeface="Arial" panose="020B0604020202020204" pitchFamily="34" charset="0"/>
-              <a:buChar char="•"/>
-            </a:pPr>
-            <a:r>
-              <a:rPr lang="ko-KR" altLang="en-US" dirty="0" smtClean="0"/>
-              <a:t>아직까지는 플러그인만 올려놓은 상태</a:t>
-            </a:r>
-            <a:r>
-              <a:rPr lang="en-US" altLang="ko-KR" dirty="0" smtClean="0"/>
-              <a:t>.</a:t>
-            </a:r>
-          </a:p>
-          <a:p>
-            <a:pPr marL="285750" indent="-285750">
-              <a:buFont typeface="Arial" panose="020B0604020202020204" pitchFamily="34" charset="0"/>
-              <a:buChar char="•"/>
-            </a:pPr>
-            <a:r>
-              <a:rPr lang="en-US" altLang="ko-KR" dirty="0" err="1" smtClean="0"/>
-              <a:t>Iframe</a:t>
-            </a:r>
-            <a:r>
-              <a:rPr lang="ko-KR" altLang="en-US" dirty="0" smtClean="0"/>
-              <a:t>에 있는 정보를 가져와서 </a:t>
-            </a:r>
-            <a:r>
-              <a:rPr lang="en-US" altLang="ko-KR" dirty="0" smtClean="0"/>
-              <a:t>insert </a:t>
-            </a:r>
-            <a:r>
-              <a:rPr lang="ko-KR" altLang="en-US" dirty="0" smtClean="0"/>
-              <a:t>예정</a:t>
-            </a:r>
-            <a:r>
-              <a:rPr lang="en-US" altLang="ko-KR" dirty="0" smtClean="0"/>
-              <a:t>.</a:t>
-            </a:r>
-            <a:endParaRPr lang="ko-KR" altLang="en-US" dirty="0"/>
-          </a:p>
-        </p:txBody>
-      </p:sp>
-    </p:spTree>
-    <p:extLst>
-      <p:ext uri="{BB962C8B-B14F-4D97-AF65-F5344CB8AC3E}">
-        <p14:creationId xmlns:p14="http://schemas.microsoft.com/office/powerpoint/2010/main" val="687138558"/>
-      </p:ext>
-    </p:extLst>
-  </p:cSld>
-  <p:clrMapOvr>
-    <a:masterClrMapping/>
-  </p:clrMapOvr>
-  <p:timing>
-    <p:tnLst>
-      <p:par>
-        <p:cTn id="1" dur="indefinite" restart="never" nodeType="tmRoot"/>
-      </p:par>
-    </p:tnLst>
-  </p:timing>
-</p:sld>
-</file>
-
-<file path=ppt/slides/slide16.xml><?xml version="1.0" encoding="utf-8"?>
 <p:sld xmlns:a="http://schemas.openxmlformats.org/drawingml/2006/main" xmlns:r="http://schemas.openxmlformats.org/officeDocument/2006/relationships" xmlns:p="http://schemas.openxmlformats.org/presentationml/2006/main">
   <p:cSld>
     <p:spTree>
@@ -5988,7 +5851,7 @@
             <a:effectLst/>
             <a:extLst>
               <a:ext uri="{C572A759-6A51-4108-AA02-DFA0A04FC94B}">
-                <ma14:wrappingTextBoxFlag xmlns="" xmlns:ma14="http://schemas.microsoft.com/office/mac/drawingml/2011/main" val="1"/>
+                <ma14:wrappingTextBoxFlag xmlns:ma14="http://schemas.microsoft.com/office/mac/drawingml/2011/main" xmlns="" val="1"/>
               </a:ext>
             </a:extLst>
           </p:spPr>
@@ -6034,7 +5897,7 @@
           </a:ln>
           <a:extLst>
             <a:ext uri="{C572A759-6A51-4108-AA02-DFA0A04FC94B}">
-              <ma14:wrappingTextBoxFlag xmlns="" xmlns:ma14="http://schemas.microsoft.com/office/mac/drawingml/2011/main" val="1"/>
+              <ma14:wrappingTextBoxFlag xmlns:ma14="http://schemas.microsoft.com/office/mac/drawingml/2011/main" xmlns="" val="1"/>
             </a:ext>
           </a:extLst>
         </p:spPr>
@@ -6073,7 +5936,7 @@
           </a:ln>
           <a:extLst>
             <a:ext uri="{C572A759-6A51-4108-AA02-DFA0A04FC94B}">
-              <ma14:wrappingTextBoxFlag xmlns="" xmlns:ma14="http://schemas.microsoft.com/office/mac/drawingml/2011/main" val="1"/>
+              <ma14:wrappingTextBoxFlag xmlns:ma14="http://schemas.microsoft.com/office/mac/drawingml/2011/main" xmlns="" val="1"/>
             </a:ext>
           </a:extLst>
         </p:spPr>
@@ -6112,7 +5975,7 @@
           </a:ln>
           <a:extLst>
             <a:ext uri="{C572A759-6A51-4108-AA02-DFA0A04FC94B}">
-              <ma14:wrappingTextBoxFlag xmlns="" xmlns:ma14="http://schemas.microsoft.com/office/mac/drawingml/2011/main" val="1"/>
+              <ma14:wrappingTextBoxFlag xmlns:ma14="http://schemas.microsoft.com/office/mac/drawingml/2011/main" xmlns="" val="1"/>
             </a:ext>
           </a:extLst>
         </p:spPr>
@@ -6151,7 +6014,7 @@
           </a:ln>
           <a:extLst>
             <a:ext uri="{C572A759-6A51-4108-AA02-DFA0A04FC94B}">
-              <ma14:wrappingTextBoxFlag xmlns="" xmlns:ma14="http://schemas.microsoft.com/office/mac/drawingml/2011/main" val="1"/>
+              <ma14:wrappingTextBoxFlag xmlns:ma14="http://schemas.microsoft.com/office/mac/drawingml/2011/main" xmlns="" val="1"/>
             </a:ext>
           </a:extLst>
         </p:spPr>
@@ -6252,7 +6115,7 @@
             <a:effectLst/>
             <a:extLst>
               <a:ext uri="{C572A759-6A51-4108-AA02-DFA0A04FC94B}">
-                <ma14:wrappingTextBoxFlag xmlns="" xmlns:ma14="http://schemas.microsoft.com/office/mac/drawingml/2011/main" val="1"/>
+                <ma14:wrappingTextBoxFlag xmlns:ma14="http://schemas.microsoft.com/office/mac/drawingml/2011/main" xmlns="" val="1"/>
               </a:ext>
             </a:extLst>
           </p:spPr>
@@ -6354,7 +6217,7 @@
             <a:effectLst/>
             <a:extLst>
               <a:ext uri="{C572A759-6A51-4108-AA02-DFA0A04FC94B}">
-                <ma14:wrappingTextBoxFlag xmlns="" xmlns:ma14="http://schemas.microsoft.com/office/mac/drawingml/2011/main" val="1"/>
+                <ma14:wrappingTextBoxFlag xmlns:ma14="http://schemas.microsoft.com/office/mac/drawingml/2011/main" xmlns="" val="1"/>
               </a:ext>
             </a:extLst>
           </p:spPr>
@@ -6456,7 +6319,7 @@
             <a:effectLst/>
             <a:extLst>
               <a:ext uri="{C572A759-6A51-4108-AA02-DFA0A04FC94B}">
-                <ma14:wrappingTextBoxFlag xmlns="" xmlns:ma14="http://schemas.microsoft.com/office/mac/drawingml/2011/main" val="1"/>
+                <ma14:wrappingTextBoxFlag xmlns:ma14="http://schemas.microsoft.com/office/mac/drawingml/2011/main" xmlns="" val="1"/>
               </a:ext>
             </a:extLst>
           </p:spPr>
@@ -6558,7 +6421,7 @@
             <a:effectLst/>
             <a:extLst>
               <a:ext uri="{C572A759-6A51-4108-AA02-DFA0A04FC94B}">
-                <ma14:wrappingTextBoxFlag xmlns="" xmlns:ma14="http://schemas.microsoft.com/office/mac/drawingml/2011/main" val="1"/>
+                <ma14:wrappingTextBoxFlag xmlns:ma14="http://schemas.microsoft.com/office/mac/drawingml/2011/main" xmlns="" val="1"/>
               </a:ext>
             </a:extLst>
           </p:spPr>
@@ -6660,7 +6523,7 @@
             <a:effectLst/>
             <a:extLst>
               <a:ext uri="{C572A759-6A51-4108-AA02-DFA0A04FC94B}">
-                <ma14:wrappingTextBoxFlag xmlns="" xmlns:ma14="http://schemas.microsoft.com/office/mac/drawingml/2011/main" val="1"/>
+                <ma14:wrappingTextBoxFlag xmlns:ma14="http://schemas.microsoft.com/office/mac/drawingml/2011/main" xmlns="" val="1"/>
               </a:ext>
             </a:extLst>
           </p:spPr>
@@ -6762,7 +6625,7 @@
             <a:effectLst/>
             <a:extLst>
               <a:ext uri="{C572A759-6A51-4108-AA02-DFA0A04FC94B}">
-                <ma14:wrappingTextBoxFlag xmlns="" xmlns:ma14="http://schemas.microsoft.com/office/mac/drawingml/2011/main" val="1"/>
+                <ma14:wrappingTextBoxFlag xmlns:ma14="http://schemas.microsoft.com/office/mac/drawingml/2011/main" xmlns="" val="1"/>
               </a:ext>
             </a:extLst>
           </p:spPr>
@@ -6864,7 +6727,7 @@
             <a:effectLst/>
             <a:extLst>
               <a:ext uri="{C572A759-6A51-4108-AA02-DFA0A04FC94B}">
-                <ma14:wrappingTextBoxFlag xmlns="" xmlns:ma14="http://schemas.microsoft.com/office/mac/drawingml/2011/main" val="1"/>
+                <ma14:wrappingTextBoxFlag xmlns:ma14="http://schemas.microsoft.com/office/mac/drawingml/2011/main" xmlns="" val="1"/>
               </a:ext>
             </a:extLst>
           </p:spPr>
@@ -6966,7 +6829,7 @@
             <a:effectLst/>
             <a:extLst>
               <a:ext uri="{C572A759-6A51-4108-AA02-DFA0A04FC94B}">
-                <ma14:wrappingTextBoxFlag xmlns="" xmlns:ma14="http://schemas.microsoft.com/office/mac/drawingml/2011/main" val="1"/>
+                <ma14:wrappingTextBoxFlag xmlns:ma14="http://schemas.microsoft.com/office/mac/drawingml/2011/main" xmlns="" val="1"/>
               </a:ext>
             </a:extLst>
           </p:spPr>
@@ -7068,7 +6931,7 @@
             <a:effectLst/>
             <a:extLst>
               <a:ext uri="{C572A759-6A51-4108-AA02-DFA0A04FC94B}">
-                <ma14:wrappingTextBoxFlag xmlns="" xmlns:ma14="http://schemas.microsoft.com/office/mac/drawingml/2011/main" val="1"/>
+                <ma14:wrappingTextBoxFlag xmlns:ma14="http://schemas.microsoft.com/office/mac/drawingml/2011/main" xmlns="" val="1"/>
               </a:ext>
             </a:extLst>
           </p:spPr>
@@ -7196,7 +7059,7 @@
             <a:effectLst/>
             <a:extLst>
               <a:ext uri="{C572A759-6A51-4108-AA02-DFA0A04FC94B}">
-                <ma14:wrappingTextBoxFlag xmlns="" xmlns:ma14="http://schemas.microsoft.com/office/mac/drawingml/2011/main" val="1"/>
+                <ma14:wrappingTextBoxFlag xmlns:ma14="http://schemas.microsoft.com/office/mac/drawingml/2011/main" xmlns="" val="1"/>
               </a:ext>
             </a:extLst>
           </p:spPr>
@@ -7298,7 +7161,7 @@
             <a:effectLst/>
             <a:extLst>
               <a:ext uri="{C572A759-6A51-4108-AA02-DFA0A04FC94B}">
-                <ma14:wrappingTextBoxFlag xmlns="" xmlns:ma14="http://schemas.microsoft.com/office/mac/drawingml/2011/main" val="1"/>
+                <ma14:wrappingTextBoxFlag xmlns:ma14="http://schemas.microsoft.com/office/mac/drawingml/2011/main" xmlns="" val="1"/>
               </a:ext>
             </a:extLst>
           </p:spPr>
@@ -7400,7 +7263,7 @@
             <a:effectLst/>
             <a:extLst>
               <a:ext uri="{C572A759-6A51-4108-AA02-DFA0A04FC94B}">
-                <ma14:wrappingTextBoxFlag xmlns="" xmlns:ma14="http://schemas.microsoft.com/office/mac/drawingml/2011/main" val="1"/>
+                <ma14:wrappingTextBoxFlag xmlns:ma14="http://schemas.microsoft.com/office/mac/drawingml/2011/main" xmlns="" val="1"/>
               </a:ext>
             </a:extLst>
           </p:spPr>
@@ -7502,7 +7365,7 @@
             <a:effectLst/>
             <a:extLst>
               <a:ext uri="{C572A759-6A51-4108-AA02-DFA0A04FC94B}">
-                <ma14:wrappingTextBoxFlag xmlns="" xmlns:ma14="http://schemas.microsoft.com/office/mac/drawingml/2011/main" val="1"/>
+                <ma14:wrappingTextBoxFlag xmlns:ma14="http://schemas.microsoft.com/office/mac/drawingml/2011/main" xmlns="" val="1"/>
               </a:ext>
             </a:extLst>
           </p:spPr>
@@ -7604,7 +7467,7 @@
             <a:effectLst/>
             <a:extLst>
               <a:ext uri="{C572A759-6A51-4108-AA02-DFA0A04FC94B}">
-                <ma14:wrappingTextBoxFlag xmlns="" xmlns:ma14="http://schemas.microsoft.com/office/mac/drawingml/2011/main" val="1"/>
+                <ma14:wrappingTextBoxFlag xmlns:ma14="http://schemas.microsoft.com/office/mac/drawingml/2011/main" xmlns="" val="1"/>
               </a:ext>
             </a:extLst>
           </p:spPr>
@@ -7706,7 +7569,7 @@
             <a:effectLst/>
             <a:extLst>
               <a:ext uri="{C572A759-6A51-4108-AA02-DFA0A04FC94B}">
-                <ma14:wrappingTextBoxFlag xmlns="" xmlns:ma14="http://schemas.microsoft.com/office/mac/drawingml/2011/main" val="1"/>
+                <ma14:wrappingTextBoxFlag xmlns:ma14="http://schemas.microsoft.com/office/mac/drawingml/2011/main" xmlns="" val="1"/>
               </a:ext>
             </a:extLst>
           </p:spPr>
@@ -7808,7 +7671,7 @@
             <a:effectLst/>
             <a:extLst>
               <a:ext uri="{C572A759-6A51-4108-AA02-DFA0A04FC94B}">
-                <ma14:wrappingTextBoxFlag xmlns="" xmlns:ma14="http://schemas.microsoft.com/office/mac/drawingml/2011/main" val="1"/>
+                <ma14:wrappingTextBoxFlag xmlns:ma14="http://schemas.microsoft.com/office/mac/drawingml/2011/main" xmlns="" val="1"/>
               </a:ext>
             </a:extLst>
           </p:spPr>
@@ -8832,7 +8695,6 @@
               <a:rPr lang="en-US" altLang="ko-KR" dirty="0" smtClean="0"/>
               <a:t>.</a:t>
             </a:r>
-            <a:endParaRPr lang="en-US" altLang="ko-KR" dirty="0" smtClean="0"/>
           </a:p>
           <a:p>
             <a:pPr marL="285750" indent="-285750">
@@ -9041,7 +8903,6 @@
               <a:rPr lang="en-US" altLang="ko-KR" dirty="0" smtClean="0"/>
               <a:t>.</a:t>
             </a:r>
-            <a:endParaRPr lang="en-US" altLang="ko-KR" dirty="0" smtClean="0"/>
           </a:p>
         </p:txBody>
       </p:sp>
@@ -9330,19 +9191,7 @@
             </a:pPr>
             <a:r>
               <a:rPr lang="en-US" altLang="ko-KR" dirty="0" smtClean="0"/>
-              <a:t>Id </a:t>
-            </a:r>
-            <a:r>
-              <a:rPr lang="en-US" altLang="ko-KR" dirty="0" smtClean="0"/>
-              <a:t>:</a:t>
-            </a:r>
-            <a:r>
-              <a:rPr lang="en-US" altLang="ko-KR" dirty="0" smtClean="0"/>
-              <a:t>test </a:t>
-            </a:r>
-            <a:r>
-              <a:rPr lang="en-US" altLang="ko-KR" dirty="0" smtClean="0"/>
-              <a:t>pw </a:t>
+              <a:t>Id :test pw </a:t>
             </a:r>
             <a:r>
               <a:rPr lang="en-US" altLang="ko-KR" dirty="0"/>
@@ -9352,7 +9201,6 @@
               <a:rPr lang="en-US" altLang="ko-KR" dirty="0" smtClean="0"/>
               <a:t>test</a:t>
             </a:r>
-            <a:endParaRPr lang="en-US" altLang="ko-KR" dirty="0" smtClean="0"/>
           </a:p>
           <a:p>
             <a:pPr marL="285750" indent="-285750">
